--- a/Documentation/Terminology Annotation Use Case.pptx
+++ b/Documentation/Terminology Annotation Use Case.pptx
@@ -7306,15 +7306,27 @@
             </a:r>
             <a:r>
               <a:rPr lang="en-GB" dirty="0" smtClean="0"/>
-              <a:t>, May </a:t>
+              <a:t>, </a:t>
+            </a:r>
+            <a:r>
+              <a:rPr lang="lv-LV" dirty="0" err="1" smtClean="0"/>
+              <a:t>June</a:t>
+            </a:r>
+            <a:r>
+              <a:rPr lang="en-GB" dirty="0" smtClean="0"/>
+              <a:t> </a:t>
             </a:r>
             <a:r>
               <a:rPr lang="lv-LV" dirty="0" smtClean="0"/>
-              <a:t>17</a:t>
+              <a:t>18</a:t>
             </a:r>
             <a:r>
               <a:rPr lang="en-GB" dirty="0" smtClean="0"/>
-              <a:t>, 2013</a:t>
+              <a:t>, </a:t>
+            </a:r>
+            <a:r>
+              <a:rPr lang="en-GB" dirty="0" smtClean="0"/>
+              <a:t>2013</a:t>
             </a:r>
             <a:endParaRPr lang="en-GB" dirty="0"/>
           </a:p>
@@ -20810,9 +20822,12 @@
 </file>
 
 <file path=customXml/item1.xml><?xml version="1.0" encoding="utf-8"?>
-<p:properties xmlns:p="http://schemas.microsoft.com/office/2006/metadata/properties" xmlns:xsi="http://www.w3.org/2001/XMLSchema-instance" xmlns:pc="http://schemas.microsoft.com/office/infopath/2007/PartnerControls">
-  <documentManagement/>
-</p:properties>
+<?mso-contentType ?>
+<FormTemplates xmlns="http://schemas.microsoft.com/sharepoint/v3/contenttype/forms">
+  <Display>DocumentLibraryForm</Display>
+  <Edit>DocumentLibraryForm</Edit>
+  <New>DocumentLibraryForm</New>
+</FormTemplates>
 </file>
 
 <file path=customXml/item2.xml><?xml version="1.0" encoding="utf-8"?>
@@ -20930,25 +20945,15 @@
 </file>
 
 <file path=customXml/item3.xml><?xml version="1.0" encoding="utf-8"?>
-<?mso-contentType ?>
-<FormTemplates xmlns="http://schemas.microsoft.com/sharepoint/v3/contenttype/forms">
-  <Display>DocumentLibraryForm</Display>
-  <Edit>DocumentLibraryForm</Edit>
-  <New>DocumentLibraryForm</New>
-</FormTemplates>
+<p:properties xmlns:p="http://schemas.microsoft.com/office/2006/metadata/properties" xmlns:xsi="http://www.w3.org/2001/XMLSchema-instance" xmlns:pc="http://schemas.microsoft.com/office/infopath/2007/PartnerControls">
+  <documentManagement/>
+</p:properties>
 </file>
 
 <file path=customXml/itemProps1.xml><?xml version="1.0" encoding="utf-8"?>
-<ds:datastoreItem xmlns:ds="http://schemas.openxmlformats.org/officeDocument/2006/customXml" ds:itemID="{F0719FB0-2004-417C-A9BD-EAFCAEC47758}">
+<ds:datastoreItem xmlns:ds="http://schemas.openxmlformats.org/officeDocument/2006/customXml" ds:itemID="{424C73CA-2A54-440F-BE2F-0F63326AACD3}">
   <ds:schemaRefs>
-    <ds:schemaRef ds:uri="http://purl.org/dc/terms/"/>
-    <ds:schemaRef ds:uri="http://purl.org/dc/elements/1.1/"/>
-    <ds:schemaRef ds:uri="http://schemas.microsoft.com/office/2006/metadata/properties"/>
-    <ds:schemaRef ds:uri="http://schemas.openxmlformats.org/package/2006/metadata/core-properties"/>
-    <ds:schemaRef ds:uri="http://www.w3.org/XML/1998/namespace"/>
-    <ds:schemaRef ds:uri="http://schemas.microsoft.com/office/2006/documentManagement/types"/>
-    <ds:schemaRef ds:uri="http://schemas.microsoft.com/office/infopath/2007/PartnerControls"/>
-    <ds:schemaRef ds:uri="http://purl.org/dc/dcmitype/"/>
+    <ds:schemaRef ds:uri="http://schemas.microsoft.com/sharepoint/v3/contenttype/forms"/>
   </ds:schemaRefs>
 </ds:datastoreItem>
 </file>
@@ -20970,9 +20975,16 @@
 </file>
 
 <file path=customXml/itemProps3.xml><?xml version="1.0" encoding="utf-8"?>
-<ds:datastoreItem xmlns:ds="http://schemas.openxmlformats.org/officeDocument/2006/customXml" ds:itemID="{424C73CA-2A54-440F-BE2F-0F63326AACD3}">
+<ds:datastoreItem xmlns:ds="http://schemas.openxmlformats.org/officeDocument/2006/customXml" ds:itemID="{F0719FB0-2004-417C-A9BD-EAFCAEC47758}">
   <ds:schemaRefs>
-    <ds:schemaRef ds:uri="http://schemas.microsoft.com/sharepoint/v3/contenttype/forms"/>
+    <ds:schemaRef ds:uri="http://purl.org/dc/terms/"/>
+    <ds:schemaRef ds:uri="http://purl.org/dc/elements/1.1/"/>
+    <ds:schemaRef ds:uri="http://schemas.microsoft.com/office/2006/metadata/properties"/>
+    <ds:schemaRef ds:uri="http://schemas.openxmlformats.org/package/2006/metadata/core-properties"/>
+    <ds:schemaRef ds:uri="http://www.w3.org/XML/1998/namespace"/>
+    <ds:schemaRef ds:uri="http://schemas.microsoft.com/office/2006/documentManagement/types"/>
+    <ds:schemaRef ds:uri="http://schemas.microsoft.com/office/infopath/2007/PartnerControls"/>
+    <ds:schemaRef ds:uri="http://purl.org/dc/dcmitype/"/>
   </ds:schemaRefs>
 </ds:datastoreItem>
 </file>